--- a/Session 07 Text Data.pptx
+++ b/Session 07 Text Data.pptx
@@ -4986,7 +4986,7 @@
           <a:p>
             <a:fld id="{C9973E45-FECD-3944-9BF3-7CAD0F0606CD}" type="datetimeFigureOut">
               <a:rPr lang="en-US" smtClean="0"/>
-              <a:t>8/30/16</a:t>
+              <a:t>9/14/16</a:t>
             </a:fld>
             <a:endParaRPr lang="en-US"/>
           </a:p>
@@ -5190,7 +5190,7 @@
           <a:p>
             <a:fld id="{C9973E45-FECD-3944-9BF3-7CAD0F0606CD}" type="datetimeFigureOut">
               <a:rPr lang="en-US" smtClean="0"/>
-              <a:t>8/30/16</a:t>
+              <a:t>9/14/16</a:t>
             </a:fld>
             <a:endParaRPr lang="en-US"/>
           </a:p>
@@ -5404,7 +5404,7 @@
           <a:p>
             <a:fld id="{C9973E45-FECD-3944-9BF3-7CAD0F0606CD}" type="datetimeFigureOut">
               <a:rPr lang="en-US" smtClean="0"/>
-              <a:t>8/30/16</a:t>
+              <a:t>9/14/16</a:t>
             </a:fld>
             <a:endParaRPr lang="en-US"/>
           </a:p>
@@ -6424,7 +6424,7 @@
           <a:p>
             <a:fld id="{C9973E45-FECD-3944-9BF3-7CAD0F0606CD}" type="datetimeFigureOut">
               <a:rPr lang="en-US" smtClean="0"/>
-              <a:t>8/30/16</a:t>
+              <a:t>9/14/16</a:t>
             </a:fld>
             <a:endParaRPr lang="en-US"/>
           </a:p>
@@ -6704,7 +6704,7 @@
           <a:p>
             <a:fld id="{C9973E45-FECD-3944-9BF3-7CAD0F0606CD}" type="datetimeFigureOut">
               <a:rPr lang="en-US" smtClean="0"/>
-              <a:t>8/30/16</a:t>
+              <a:t>9/14/16</a:t>
             </a:fld>
             <a:endParaRPr lang="en-US"/>
           </a:p>
@@ -6970,7 +6970,7 @@
           <a:p>
             <a:fld id="{C9973E45-FECD-3944-9BF3-7CAD0F0606CD}" type="datetimeFigureOut">
               <a:rPr lang="en-US" smtClean="0"/>
-              <a:t>8/30/16</a:t>
+              <a:t>9/14/16</a:t>
             </a:fld>
             <a:endParaRPr lang="en-US"/>
           </a:p>
@@ -7371,7 +7371,7 @@
           <a:p>
             <a:fld id="{C9973E45-FECD-3944-9BF3-7CAD0F0606CD}" type="datetimeFigureOut">
               <a:rPr lang="en-US" smtClean="0"/>
-              <a:t>8/30/16</a:t>
+              <a:t>9/14/16</a:t>
             </a:fld>
             <a:endParaRPr lang="en-US"/>
           </a:p>
@@ -7523,7 +7523,7 @@
           <a:p>
             <a:fld id="{C9973E45-FECD-3944-9BF3-7CAD0F0606CD}" type="datetimeFigureOut">
               <a:rPr lang="en-US" smtClean="0"/>
-              <a:t>8/30/16</a:t>
+              <a:t>9/14/16</a:t>
             </a:fld>
             <a:endParaRPr lang="en-US"/>
           </a:p>
@@ -7652,7 +7652,7 @@
           <a:p>
             <a:fld id="{C9973E45-FECD-3944-9BF3-7CAD0F0606CD}" type="datetimeFigureOut">
               <a:rPr lang="en-US" smtClean="0"/>
-              <a:t>8/30/16</a:t>
+              <a:t>9/14/16</a:t>
             </a:fld>
             <a:endParaRPr lang="en-US"/>
           </a:p>
@@ -7962,7 +7962,7 @@
           <a:p>
             <a:fld id="{C9973E45-FECD-3944-9BF3-7CAD0F0606CD}" type="datetimeFigureOut">
               <a:rPr lang="en-US" smtClean="0"/>
-              <a:t>8/30/16</a:t>
+              <a:t>9/14/16</a:t>
             </a:fld>
             <a:endParaRPr lang="en-US"/>
           </a:p>
@@ -8249,7 +8249,7 @@
           <a:p>
             <a:fld id="{C9973E45-FECD-3944-9BF3-7CAD0F0606CD}" type="datetimeFigureOut">
               <a:rPr lang="en-US" smtClean="0"/>
-              <a:t>8/30/16</a:t>
+              <a:t>9/14/16</a:t>
             </a:fld>
             <a:endParaRPr lang="en-US"/>
           </a:p>
@@ -8496,7 +8496,7 @@
           <a:p>
             <a:fld id="{C9973E45-FECD-3944-9BF3-7CAD0F0606CD}" type="datetimeFigureOut">
               <a:rPr lang="en-US" smtClean="0"/>
-              <a:t>8/30/16</a:t>
+              <a:t>9/14/16</a:t>
             </a:fld>
             <a:endParaRPr lang="en-US"/>
           </a:p>
@@ -9037,17 +9037,20 @@
               <a:buNone/>
             </a:pPr>
             <a:r>
-              <a:rPr lang="en" sz="2800" b="0" i="0" u="none" strike="noStrike" cap="none">
-                <a:solidFill>
-                  <a:schemeClr val="lt2"/>
-                </a:solidFill>
-                <a:latin typeface="Arial"/>
-                <a:ea typeface="Arial"/>
-                <a:cs typeface="Arial"/>
-                <a:sym typeface="Arial"/>
-              </a:rPr>
-              <a:t>INAFU6513 Lecture 7b</a:t>
-            </a:r>
+              <a:rPr lang="en-US" sz="2800" b="0" i="0" u="none" strike="noStrike" cap="none" dirty="0" smtClean="0">
+                <a:latin typeface="Arial"/>
+                <a:ea typeface="Arial"/>
+                <a:cs typeface="Arial"/>
+                <a:sym typeface="Arial"/>
+              </a:rPr>
+              <a:t>Data Science for Beginners, Session 7</a:t>
+            </a:r>
+            <a:endParaRPr lang="en" sz="2800" b="0" i="0" u="none" strike="noStrike" cap="none" dirty="0">
+              <a:latin typeface="Arial"/>
+              <a:ea typeface="Arial"/>
+              <a:cs typeface="Arial"/>
+              <a:sym typeface="Arial"/>
+            </a:endParaRPr>
           </a:p>
         </p:txBody>
       </p:sp>
@@ -12870,7 +12873,7 @@
             <a:r>
               <a:rPr lang="en" sz="1800" b="0" i="0" u="none" strike="noStrike" cap="none">
                 <a:solidFill>
-                  <a:srgbClr val="002060"/>
+                  <a:schemeClr val="tx1"/>
                 </a:solidFill>
                 <a:latin typeface="Arial"/>
                 <a:ea typeface="Arial"/>
@@ -12882,7 +12885,7 @@
             <a:r>
               <a:rPr lang="en" sz="1800" b="0" i="0" u="none" strike="noStrike" cap="none" dirty="0" err="1">
                 <a:solidFill>
-                  <a:srgbClr val="002060"/>
+                  <a:schemeClr val="tx1"/>
                 </a:solidFill>
                 <a:latin typeface="Arial"/>
                 <a:ea typeface="Arial"/>
@@ -12894,7 +12897,7 @@
             <a:r>
               <a:rPr lang="en" sz="1800" b="0" i="0" u="none" strike="noStrike" cap="none" dirty="0">
                 <a:solidFill>
-                  <a:srgbClr val="002060"/>
+                  <a:schemeClr val="tx1"/>
                 </a:solidFill>
                 <a:latin typeface="Arial"/>
                 <a:ea typeface="Arial"/>
@@ -12925,7 +12928,7 @@
             <a:r>
               <a:rPr lang="en" sz="1800" b="0" i="0" u="none" strike="noStrike" cap="none" dirty="0">
                 <a:solidFill>
-                  <a:srgbClr val="002060"/>
+                  <a:schemeClr val="tx1"/>
                 </a:solidFill>
                 <a:latin typeface="Arial"/>
                 <a:ea typeface="Arial"/>
@@ -13067,7 +13070,7 @@
             <a:r>
               <a:rPr lang="en" sz="1800" b="0" i="0" u="none" strike="noStrike" cap="none">
                 <a:solidFill>
-                  <a:srgbClr val="002060"/>
+                  <a:schemeClr val="tx1"/>
                 </a:solidFill>
                 <a:latin typeface="Arial"/>
                 <a:ea typeface="Arial"/>
@@ -13079,7 +13082,7 @@
             <a:r>
               <a:rPr lang="en" sz="1800" b="0" i="0" u="none" strike="noStrike" cap="none" dirty="0">
                 <a:solidFill>
-                  <a:srgbClr val="002060"/>
+                  <a:schemeClr val="tx1"/>
                 </a:solidFill>
                 <a:latin typeface="Arial"/>
                 <a:ea typeface="Arial"/>
@@ -13110,7 +13113,7 @@
             <a:r>
               <a:rPr lang="en" dirty="0">
                 <a:solidFill>
-                  <a:srgbClr val="002060"/>
+                  <a:schemeClr val="tx1"/>
                 </a:solidFill>
               </a:rPr>
               <a:t>Using machine learning</a:t>
@@ -13137,7 +13140,7 @@
             <a:r>
               <a:rPr lang="en" sz="1800" dirty="0">
                 <a:solidFill>
-                  <a:srgbClr val="002060"/>
+                  <a:schemeClr val="tx1"/>
                 </a:solidFill>
               </a:rPr>
               <a:t>Training set: sentences, with ‘positive’/’negative’ for each sentence</a:t>
@@ -13164,7 +13167,7 @@
             <a:r>
               <a:rPr lang="en" dirty="0">
                 <a:solidFill>
-                  <a:srgbClr val="002060"/>
+                  <a:schemeClr val="tx1"/>
                 </a:solidFill>
               </a:rPr>
               <a:t>Using</a:t>
@@ -13172,7 +13175,7 @@
             <a:r>
               <a:rPr lang="en" sz="1800" b="0" i="0" u="none" strike="noStrike" cap="none" dirty="0">
                 <a:solidFill>
-                  <a:srgbClr val="002060"/>
+                  <a:schemeClr val="tx1"/>
                 </a:solidFill>
                 <a:latin typeface="Arial"/>
                 <a:ea typeface="Arial"/>
@@ -13203,7 +13206,7 @@
             <a:r>
               <a:rPr lang="en" sz="1800" b="0" i="0" u="none" strike="noStrike" cap="none" dirty="0">
                 <a:solidFill>
-                  <a:srgbClr val="002060"/>
+                  <a:schemeClr val="tx1"/>
                 </a:solidFill>
                 <a:latin typeface="Arial"/>
                 <a:ea typeface="Arial"/>
@@ -13234,7 +13237,7 @@
             <a:r>
               <a:rPr lang="en" sz="1800" b="0" i="0" u="none" strike="noStrike" cap="none" dirty="0">
                 <a:solidFill>
-                  <a:srgbClr val="002060"/>
+                  <a:schemeClr val="tx1"/>
                 </a:solidFill>
                 <a:latin typeface="Arial"/>
                 <a:ea typeface="Arial"/>
@@ -13246,7 +13249,7 @@
             <a:r>
               <a:rPr lang="en" sz="1800" dirty="0">
                 <a:solidFill>
-                  <a:srgbClr val="002060"/>
+                  <a:schemeClr val="tx1"/>
                 </a:solidFill>
               </a:rPr>
               <a:t>be used as </a:t>
@@ -13254,7 +13257,7 @@
             <a:r>
               <a:rPr lang="en" sz="1800" b="0" i="0" u="none" strike="noStrike" cap="none" dirty="0">
                 <a:solidFill>
-                  <a:srgbClr val="002060"/>
+                  <a:schemeClr val="tx1"/>
                 </a:solidFill>
                 <a:latin typeface="Arial"/>
                 <a:ea typeface="Arial"/>
@@ -13266,7 +13269,7 @@
             <a:r>
               <a:rPr lang="en" sz="1800" dirty="0">
                 <a:solidFill>
-                  <a:srgbClr val="002060"/>
+                  <a:schemeClr val="tx1"/>
                 </a:solidFill>
               </a:rPr>
               <a:t> ‘seeds’</a:t>
@@ -13402,9 +13405,9 @@
               <a:buChar char="●"/>
             </a:pPr>
             <a:r>
-              <a:rPr lang="en" sz="1800" b="0" i="0" u="none" strike="noStrike" cap="none">
-                <a:solidFill>
-                  <a:srgbClr val="002060"/>
+              <a:rPr lang="en" sz="1800" b="0" i="0" u="none" strike="noStrike" cap="none" dirty="0">
+                <a:solidFill>
+                  <a:schemeClr val="tx1"/>
                 </a:solidFill>
                 <a:latin typeface="Arial"/>
                 <a:ea typeface="Arial"/>
@@ -13416,7 +13419,7 @@
             <a:r>
               <a:rPr lang="en" sz="1800" b="0" i="0" u="none" strike="noStrike" cap="none" dirty="0" err="1">
                 <a:solidFill>
-                  <a:srgbClr val="002060"/>
+                  <a:schemeClr val="tx1"/>
                 </a:solidFill>
                 <a:latin typeface="Arial"/>
                 <a:ea typeface="Arial"/>
@@ -13428,7 +13431,7 @@
             <a:r>
               <a:rPr lang="en" sz="1800" b="0" i="0" u="none" strike="noStrike" cap="none" dirty="0">
                 <a:solidFill>
-                  <a:srgbClr val="002060"/>
+                  <a:schemeClr val="tx1"/>
                 </a:solidFill>
                 <a:latin typeface="Arial"/>
                 <a:ea typeface="Arial"/>
@@ -13440,7 +13443,7 @@
             <a:r>
               <a:rPr lang="en" sz="1800" b="0" i="0" u="none" strike="noStrike" cap="none" dirty="0" err="1">
                 <a:solidFill>
-                  <a:srgbClr val="002060"/>
+                  <a:schemeClr val="tx1"/>
                 </a:solidFill>
                 <a:latin typeface="Arial"/>
                 <a:ea typeface="Arial"/>
@@ -13452,7 +13455,7 @@
             <a:r>
               <a:rPr lang="en" sz="1800" b="0" i="0" u="none" strike="noStrike" cap="none" dirty="0">
                 <a:solidFill>
-                  <a:srgbClr val="002060"/>
+                  <a:schemeClr val="tx1"/>
                 </a:solidFill>
                 <a:latin typeface="Arial"/>
                 <a:ea typeface="Arial"/>
@@ -13483,7 +13486,7 @@
             <a:r>
               <a:rPr lang="en" sz="1800" b="0" i="0" u="none" strike="noStrike" cap="none" dirty="0">
                 <a:solidFill>
-                  <a:srgbClr val="002060"/>
+                  <a:schemeClr val="tx1"/>
                 </a:solidFill>
                 <a:latin typeface="Arial"/>
                 <a:ea typeface="Arial"/>
@@ -13495,7 +13498,7 @@
             <a:r>
               <a:rPr lang="en" dirty="0">
                 <a:solidFill>
-                  <a:srgbClr val="002060"/>
+                  <a:schemeClr val="tx1"/>
                 </a:solidFill>
               </a:rPr>
               <a:t>showing how people </a:t>
@@ -13503,7 +13506,7 @@
             <a:r>
               <a:rPr lang="en" dirty="0" err="1">
                 <a:solidFill>
-                  <a:srgbClr val="002060"/>
+                  <a:schemeClr val="tx1"/>
                 </a:solidFill>
               </a:rPr>
               <a:t>etc</a:t>
@@ -13511,7 +13514,7 @@
             <a:r>
               <a:rPr lang="en" dirty="0">
                 <a:solidFill>
-                  <a:srgbClr val="002060"/>
+                  <a:schemeClr val="tx1"/>
                 </a:solidFill>
               </a:rPr>
               <a:t> connect to each other</a:t>
@@ -13519,7 +13522,7 @@
             <a:r>
               <a:rPr lang="en" sz="1800" b="0" i="0" u="none" strike="noStrike" cap="none" dirty="0">
                 <a:solidFill>
-                  <a:srgbClr val="002060"/>
+                  <a:schemeClr val="tx1"/>
                 </a:solidFill>
                 <a:latin typeface="Arial"/>
                 <a:ea typeface="Arial"/>
@@ -13531,7 +13534,7 @@
             <a:r>
               <a:rPr lang="en" dirty="0">
                 <a:solidFill>
-                  <a:srgbClr val="002060"/>
+                  <a:schemeClr val="tx1"/>
                 </a:solidFill>
               </a:rPr>
               <a:t>and find ‘hubs’, ‘connectors’ </a:t>
@@ -13539,14 +13542,14 @@
             <a:r>
               <a:rPr lang="en" dirty="0" err="1">
                 <a:solidFill>
-                  <a:srgbClr val="002060"/>
+                  <a:schemeClr val="tx1"/>
                 </a:solidFill>
               </a:rPr>
               <a:t>etc</a:t>
             </a:r>
             <a:endParaRPr lang="en" dirty="0">
               <a:solidFill>
-                <a:srgbClr val="002060"/>
+                <a:schemeClr val="tx1"/>
               </a:solidFill>
             </a:endParaRPr>
           </a:p>
@@ -13764,7 +13767,7 @@
             <a:r>
               <a:rPr lang="en" sz="1800" b="0" i="0" u="none" strike="noStrike" cap="none" dirty="0">
                 <a:solidFill>
-                  <a:srgbClr val="002060"/>
+                  <a:schemeClr val="tx1"/>
                 </a:solidFill>
                 <a:latin typeface="Arial"/>
                 <a:ea typeface="Arial"/>
@@ -13795,7 +13798,7 @@
             <a:r>
               <a:rPr lang="en" sz="1800" b="0" i="0" u="none" strike="noStrike" cap="none" dirty="0">
                 <a:solidFill>
-                  <a:srgbClr val="002060"/>
+                  <a:schemeClr val="tx1"/>
                 </a:solidFill>
                 <a:latin typeface="Arial"/>
                 <a:ea typeface="Arial"/>
@@ -13826,7 +13829,7 @@
             <a:r>
               <a:rPr lang="en" sz="1800" b="0" i="0" u="none" strike="noStrike" cap="none" dirty="0">
                 <a:solidFill>
-                  <a:srgbClr val="002060"/>
+                  <a:schemeClr val="tx1"/>
                 </a:solidFill>
                 <a:latin typeface="Arial"/>
                 <a:ea typeface="Arial"/>
@@ -13856,7 +13859,7 @@
             </a:pPr>
             <a:endParaRPr sz="1800" b="0" i="0" u="none" strike="noStrike" cap="none" dirty="0">
               <a:solidFill>
-                <a:srgbClr val="002060"/>
+                <a:schemeClr val="tx1"/>
               </a:solidFill>
               <a:latin typeface="Arial"/>
               <a:ea typeface="Arial"/>
@@ -15365,7 +15368,9 @@
             <a:r>
               <a:rPr lang="en" sz="1800" b="0" i="0" u="none" strike="noStrike" cap="none">
                 <a:solidFill>
-                  <a:srgbClr val="002060"/>
+                  <a:schemeClr val="accent5">
+                    <a:lumMod val="75000"/>
+                  </a:schemeClr>
                 </a:solidFill>
                 <a:latin typeface="Arial"/>
                 <a:ea typeface="Arial"/>
@@ -15377,7 +15382,9 @@
             <a:r>
               <a:rPr lang="en" sz="1800" b="0" i="0" u="none" strike="noStrike" cap="none" dirty="0" err="1">
                 <a:solidFill>
-                  <a:srgbClr val="002060"/>
+                  <a:schemeClr val="accent5">
+                    <a:lumMod val="75000"/>
+                  </a:schemeClr>
                 </a:solidFill>
                 <a:latin typeface="Arial"/>
                 <a:ea typeface="Arial"/>
@@ -15389,7 +15396,9 @@
             <a:r>
               <a:rPr lang="en" sz="1800" b="0" i="0" u="none" strike="noStrike" cap="none" dirty="0">
                 <a:solidFill>
-                  <a:srgbClr val="002060"/>
+                  <a:schemeClr val="accent5">
+                    <a:lumMod val="75000"/>
+                  </a:schemeClr>
                 </a:solidFill>
                 <a:latin typeface="Arial"/>
                 <a:ea typeface="Arial"/>
@@ -15420,7 +15429,9 @@
             <a:r>
               <a:rPr lang="en" sz="1800" b="0" i="0" u="none" strike="noStrike" cap="none" dirty="0">
                 <a:solidFill>
-                  <a:srgbClr val="002060"/>
+                  <a:schemeClr val="accent5">
+                    <a:lumMod val="75000"/>
+                  </a:schemeClr>
                 </a:solidFill>
                 <a:latin typeface="Arial"/>
                 <a:ea typeface="Arial"/>
@@ -18118,7 +18129,7 @@
             <a:r>
               <a:rPr lang="en" sz="1800" b="0" i="0" u="none" strike="noStrike" cap="none" dirty="0">
                 <a:solidFill>
-                  <a:srgbClr val="002060"/>
+                  <a:schemeClr val="tx1"/>
                 </a:solidFill>
                 <a:latin typeface="Arial"/>
                 <a:ea typeface="Arial"/>
@@ -18130,7 +18141,7 @@
             <a:r>
               <a:rPr lang="en" sz="1800" b="0" i="0" u="none" strike="noStrike" cap="none" dirty="0" err="1">
                 <a:solidFill>
-                  <a:srgbClr val="002060"/>
+                  <a:schemeClr val="tx1"/>
                 </a:solidFill>
                 <a:latin typeface="Arial"/>
                 <a:ea typeface="Arial"/>
@@ -18142,7 +18153,7 @@
             <a:r>
               <a:rPr lang="en" sz="1800" b="0" i="0" u="none" strike="noStrike" cap="none" dirty="0">
                 <a:solidFill>
-                  <a:srgbClr val="002060"/>
+                  <a:schemeClr val="tx1"/>
                 </a:solidFill>
                 <a:latin typeface="Arial"/>
                 <a:ea typeface="Arial"/>
@@ -18173,7 +18184,7 @@
             <a:r>
               <a:rPr lang="en" sz="1800" b="0" i="0" u="none" strike="noStrike" cap="none" dirty="0">
                 <a:solidFill>
-                  <a:srgbClr val="002060"/>
+                  <a:schemeClr val="tx1"/>
                 </a:solidFill>
                 <a:latin typeface="Arial"/>
                 <a:ea typeface="Arial"/>
@@ -18204,7 +18215,7 @@
             <a:r>
               <a:rPr lang="en" sz="1800" b="0" i="0" u="none" strike="noStrike" cap="none" dirty="0">
                 <a:solidFill>
-                  <a:srgbClr val="002060"/>
+                  <a:schemeClr val="tx1"/>
                 </a:solidFill>
                 <a:latin typeface="Arial"/>
                 <a:ea typeface="Arial"/>
@@ -18235,7 +18246,7 @@
             <a:r>
               <a:rPr lang="en" sz="1800" b="0" i="0" u="none" strike="noStrike" cap="none" dirty="0">
                 <a:solidFill>
-                  <a:srgbClr val="002060"/>
+                  <a:schemeClr val="tx1"/>
                 </a:solidFill>
                 <a:latin typeface="Arial"/>
                 <a:ea typeface="Arial"/>
@@ -18265,7 +18276,7 @@
             </a:pPr>
             <a:endParaRPr sz="1800" b="0" i="0" u="none" strike="noStrike" cap="none" dirty="0">
               <a:solidFill>
-                <a:srgbClr val="002060"/>
+                <a:schemeClr val="tx1"/>
               </a:solidFill>
               <a:latin typeface="Arial"/>
               <a:ea typeface="Arial"/>
